--- a/ERCompleto.pptx
+++ b/ERCompleto.pptx
@@ -6635,36 +6635,6 @@
       </p:cxnSp>
       <p:sp>
         <p:nvSpPr>
-          <p:cNvPr id="380" name="CasellaDiTesto 379"/>
-          <p:cNvSpPr txBox="1"/>
-          <p:nvPr/>
-        </p:nvSpPr>
-        <p:spPr>
-          <a:xfrm>
-            <a:off x="3983874" y="5795324"/>
-            <a:ext cx="776875" cy="215444"/>
-          </a:xfrm>
-          <a:prstGeom prst="rect">
-            <a:avLst/>
-          </a:prstGeom>
-          <a:noFill/>
-        </p:spPr>
-        <p:txBody>
-          <a:bodyPr wrap="none" rtlCol="0">
-            <a:spAutoFit/>
-          </a:bodyPr>
-          <a:lstStyle/>
-          <a:p>
-            <a:r>
-              <a:rPr lang="it-IT" sz="800" dirty="0" err="1" smtClean="0"/>
-              <a:t>valoreUmidità</a:t>
-            </a:r>
-            <a:endParaRPr lang="it-IT" sz="800" dirty="0" smtClean="0"/>
-          </a:p>
-        </p:txBody>
-      </p:sp>
-      <p:sp>
-        <p:nvSpPr>
           <p:cNvPr id="381" name="Ovale 380"/>
           <p:cNvSpPr/>
           <p:nvPr/>
@@ -8733,16 +8703,16 @@
       </p:cxnSp>
       <p:sp>
         <p:nvSpPr>
-          <p:cNvPr id="433" name="Ovale 432"/>
+          <p:cNvPr id="437" name="Rettangolo 436"/>
           <p:cNvSpPr/>
           <p:nvPr/>
         </p:nvSpPr>
         <p:spPr>
           <a:xfrm>
-            <a:off x="2288436" y="5693469"/>
-            <a:ext cx="142455" cy="125409"/>
-          </a:xfrm>
-          <a:prstGeom prst="ellipse">
+            <a:off x="943735" y="5147633"/>
+            <a:ext cx="844814" cy="385713"/>
+          </a:xfrm>
+          <a:prstGeom prst="rect">
             <a:avLst/>
           </a:prstGeom>
           <a:gradFill flip="none" rotWithShape="1">
@@ -8785,60 +8755,34 @@
           <a:lstStyle/>
           <a:p>
             <a:pPr algn="ctr"/>
-            <a:endParaRPr lang="it-IT" sz="800"/>
-          </a:p>
-        </p:txBody>
-      </p:sp>
-      <p:cxnSp>
-        <p:nvCxnSpPr>
-          <p:cNvPr id="434" name="Connettore 1 433"/>
-          <p:cNvCxnSpPr>
-            <a:stCxn id="433" idx="0"/>
-            <a:endCxn id="439" idx="2"/>
-          </p:cNvCxnSpPr>
-          <p:nvPr/>
-        </p:nvCxnSpPr>
-        <p:spPr>
-          <a:xfrm flipV="1">
-            <a:off x="2359662" y="5533347"/>
-            <a:ext cx="0" cy="160123"/>
-          </a:xfrm>
-          <a:prstGeom prst="line">
-            <a:avLst/>
-          </a:prstGeom>
-          <a:ln w="12700">
-            <a:solidFill>
-              <a:schemeClr val="tx1"/>
-            </a:solidFill>
-          </a:ln>
-        </p:spPr>
-        <p:style>
-          <a:lnRef idx="2">
-            <a:schemeClr val="accent1"/>
-          </a:lnRef>
-          <a:fillRef idx="0">
-            <a:schemeClr val="accent1"/>
-          </a:fillRef>
-          <a:effectRef idx="1">
-            <a:schemeClr val="accent1"/>
-          </a:effectRef>
-          <a:fontRef idx="minor">
-            <a:schemeClr val="tx1"/>
-          </a:fontRef>
-        </p:style>
-      </p:cxnSp>
-      <p:sp>
-        <p:nvSpPr>
-          <p:cNvPr id="435" name="Ovale 434"/>
+            <a:r>
+              <a:rPr lang="it-IT" sz="800" dirty="0" smtClean="0">
+                <a:solidFill>
+                  <a:srgbClr val="000000"/>
+                </a:solidFill>
+              </a:rPr>
+              <a:t>Termometro</a:t>
+            </a:r>
+            <a:endParaRPr lang="it-IT" sz="800" dirty="0">
+              <a:solidFill>
+                <a:srgbClr val="000000"/>
+              </a:solidFill>
+            </a:endParaRPr>
+          </a:p>
+        </p:txBody>
+      </p:sp>
+      <p:sp>
+        <p:nvSpPr>
+          <p:cNvPr id="438" name="Rettangolo 437"/>
           <p:cNvSpPr/>
           <p:nvPr/>
         </p:nvSpPr>
         <p:spPr>
           <a:xfrm>
-            <a:off x="1294916" y="5695323"/>
-            <a:ext cx="142455" cy="125409"/>
-          </a:xfrm>
-          <a:prstGeom prst="ellipse">
+            <a:off x="2945503" y="5147633"/>
+            <a:ext cx="844814" cy="385713"/>
+          </a:xfrm>
+          <a:prstGeom prst="rect">
             <a:avLst/>
           </a:prstGeom>
           <a:gradFill flip="none" rotWithShape="1">
@@ -8881,57 +8825,31 @@
           <a:lstStyle/>
           <a:p>
             <a:pPr algn="ctr"/>
-            <a:endParaRPr lang="it-IT" sz="800"/>
-          </a:p>
-        </p:txBody>
-      </p:sp>
-      <p:cxnSp>
-        <p:nvCxnSpPr>
-          <p:cNvPr id="436" name="Connettore 1 435"/>
-          <p:cNvCxnSpPr>
-            <a:stCxn id="435" idx="0"/>
-            <a:endCxn id="437" idx="2"/>
-          </p:cNvCxnSpPr>
-          <p:nvPr/>
-        </p:nvCxnSpPr>
-        <p:spPr>
-          <a:xfrm flipV="1">
-            <a:off x="1366142" y="5533346"/>
-            <a:ext cx="0" cy="161976"/>
-          </a:xfrm>
-          <a:prstGeom prst="line">
-            <a:avLst/>
-          </a:prstGeom>
-          <a:ln w="12700">
-            <a:solidFill>
-              <a:schemeClr val="tx1"/>
-            </a:solidFill>
-          </a:ln>
-        </p:spPr>
-        <p:style>
-          <a:lnRef idx="2">
-            <a:schemeClr val="accent1"/>
-          </a:lnRef>
-          <a:fillRef idx="0">
-            <a:schemeClr val="accent1"/>
-          </a:fillRef>
-          <a:effectRef idx="1">
-            <a:schemeClr val="accent1"/>
-          </a:effectRef>
-          <a:fontRef idx="minor">
-            <a:schemeClr val="tx1"/>
-          </a:fontRef>
-        </p:style>
-      </p:cxnSp>
-      <p:sp>
-        <p:nvSpPr>
-          <p:cNvPr id="437" name="Rettangolo 436"/>
+            <a:r>
+              <a:rPr lang="it-IT" sz="800" dirty="0" smtClean="0">
+                <a:solidFill>
+                  <a:srgbClr val="000000"/>
+                </a:solidFill>
+              </a:rPr>
+              <a:t>Barometro</a:t>
+            </a:r>
+            <a:endParaRPr lang="it-IT" sz="800" dirty="0">
+              <a:solidFill>
+                <a:srgbClr val="000000"/>
+              </a:solidFill>
+            </a:endParaRPr>
+          </a:p>
+        </p:txBody>
+      </p:sp>
+      <p:sp>
+        <p:nvSpPr>
+          <p:cNvPr id="439" name="Rettangolo 438"/>
           <p:cNvSpPr/>
           <p:nvPr/>
         </p:nvSpPr>
         <p:spPr>
           <a:xfrm>
-            <a:off x="943735" y="5147633"/>
+            <a:off x="1937255" y="5147633"/>
             <a:ext cx="844814" cy="385713"/>
           </a:xfrm>
           <a:prstGeom prst="rect">
@@ -8983,7 +8901,7 @@
                   <a:srgbClr val="000000"/>
                 </a:solidFill>
               </a:rPr>
-              <a:t>Termometro</a:t>
+              <a:t>Pluviometro</a:t>
             </a:r>
             <a:endParaRPr lang="it-IT" sz="800" dirty="0">
               <a:solidFill>
@@ -8995,13 +8913,13 @@
       </p:sp>
       <p:sp>
         <p:nvSpPr>
-          <p:cNvPr id="438" name="Rettangolo 437"/>
+          <p:cNvPr id="440" name="Rettangolo 439"/>
           <p:cNvSpPr/>
           <p:nvPr/>
         </p:nvSpPr>
         <p:spPr>
           <a:xfrm>
-            <a:off x="2945503" y="5147633"/>
+            <a:off x="3949903" y="5147633"/>
             <a:ext cx="844814" cy="385713"/>
           </a:xfrm>
           <a:prstGeom prst="rect">
@@ -9053,273 +8971,13 @@
                   <a:srgbClr val="000000"/>
                 </a:solidFill>
               </a:rPr>
-              <a:t>Barometro</a:t>
+              <a:t>Igrometro</a:t>
             </a:r>
             <a:endParaRPr lang="it-IT" sz="800" dirty="0">
               <a:solidFill>
                 <a:srgbClr val="000000"/>
               </a:solidFill>
             </a:endParaRPr>
-          </a:p>
-        </p:txBody>
-      </p:sp>
-      <p:sp>
-        <p:nvSpPr>
-          <p:cNvPr id="439" name="Rettangolo 438"/>
-          <p:cNvSpPr/>
-          <p:nvPr/>
-        </p:nvSpPr>
-        <p:spPr>
-          <a:xfrm>
-            <a:off x="1937255" y="5147633"/>
-            <a:ext cx="844814" cy="385713"/>
-          </a:xfrm>
-          <a:prstGeom prst="rect">
-            <a:avLst/>
-          </a:prstGeom>
-          <a:gradFill flip="none" rotWithShape="1">
-            <a:gsLst>
-              <a:gs pos="0">
-                <a:schemeClr val="accent4">
-                  <a:lumMod val="60000"/>
-                  <a:lumOff val="40000"/>
-                </a:schemeClr>
-              </a:gs>
-              <a:gs pos="100000">
-                <a:srgbClr val="FFFFFF"/>
-              </a:gs>
-            </a:gsLst>
-            <a:lin ang="15600000" scaled="0"/>
-            <a:tileRect/>
-          </a:gradFill>
-          <a:ln>
-            <a:solidFill>
-              <a:schemeClr val="tx1"/>
-            </a:solidFill>
-          </a:ln>
-        </p:spPr>
-        <p:style>
-          <a:lnRef idx="1">
-            <a:schemeClr val="accent1"/>
-          </a:lnRef>
-          <a:fillRef idx="3">
-            <a:schemeClr val="accent1"/>
-          </a:fillRef>
-          <a:effectRef idx="2">
-            <a:schemeClr val="accent1"/>
-          </a:effectRef>
-          <a:fontRef idx="minor">
-            <a:schemeClr val="lt1"/>
-          </a:fontRef>
-        </p:style>
-        <p:txBody>
-          <a:bodyPr rtlCol="0" anchor="ctr"/>
-          <a:lstStyle/>
-          <a:p>
-            <a:pPr algn="ctr"/>
-            <a:r>
-              <a:rPr lang="it-IT" sz="800" dirty="0" smtClean="0">
-                <a:solidFill>
-                  <a:srgbClr val="000000"/>
-                </a:solidFill>
-              </a:rPr>
-              <a:t>Pluviometro</a:t>
-            </a:r>
-            <a:endParaRPr lang="it-IT" sz="800" dirty="0">
-              <a:solidFill>
-                <a:srgbClr val="000000"/>
-              </a:solidFill>
-            </a:endParaRPr>
-          </a:p>
-        </p:txBody>
-      </p:sp>
-      <p:sp>
-        <p:nvSpPr>
-          <p:cNvPr id="440" name="Rettangolo 439"/>
-          <p:cNvSpPr/>
-          <p:nvPr/>
-        </p:nvSpPr>
-        <p:spPr>
-          <a:xfrm>
-            <a:off x="3949903" y="5147633"/>
-            <a:ext cx="844814" cy="385713"/>
-          </a:xfrm>
-          <a:prstGeom prst="rect">
-            <a:avLst/>
-          </a:prstGeom>
-          <a:gradFill flip="none" rotWithShape="1">
-            <a:gsLst>
-              <a:gs pos="0">
-                <a:schemeClr val="accent4">
-                  <a:lumMod val="60000"/>
-                  <a:lumOff val="40000"/>
-                </a:schemeClr>
-              </a:gs>
-              <a:gs pos="100000">
-                <a:srgbClr val="FFFFFF"/>
-              </a:gs>
-            </a:gsLst>
-            <a:lin ang="15600000" scaled="0"/>
-            <a:tileRect/>
-          </a:gradFill>
-          <a:ln>
-            <a:solidFill>
-              <a:schemeClr val="tx1"/>
-            </a:solidFill>
-          </a:ln>
-        </p:spPr>
-        <p:style>
-          <a:lnRef idx="1">
-            <a:schemeClr val="accent1"/>
-          </a:lnRef>
-          <a:fillRef idx="3">
-            <a:schemeClr val="accent1"/>
-          </a:fillRef>
-          <a:effectRef idx="2">
-            <a:schemeClr val="accent1"/>
-          </a:effectRef>
-          <a:fontRef idx="minor">
-            <a:schemeClr val="lt1"/>
-          </a:fontRef>
-        </p:style>
-        <p:txBody>
-          <a:bodyPr rtlCol="0" anchor="ctr"/>
-          <a:lstStyle/>
-          <a:p>
-            <a:pPr algn="ctr"/>
-            <a:r>
-              <a:rPr lang="it-IT" sz="800" dirty="0" smtClean="0">
-                <a:solidFill>
-                  <a:srgbClr val="000000"/>
-                </a:solidFill>
-              </a:rPr>
-              <a:t>Igrometro</a:t>
-            </a:r>
-            <a:endParaRPr lang="it-IT" sz="800" dirty="0">
-              <a:solidFill>
-                <a:srgbClr val="000000"/>
-              </a:solidFill>
-            </a:endParaRPr>
-          </a:p>
-        </p:txBody>
-      </p:sp>
-      <p:sp>
-        <p:nvSpPr>
-          <p:cNvPr id="441" name="CasellaDiTesto 440"/>
-          <p:cNvSpPr txBox="1"/>
-          <p:nvPr/>
-        </p:nvSpPr>
-        <p:spPr>
-          <a:xfrm>
-            <a:off x="2845747" y="5793041"/>
-            <a:ext cx="1044326" cy="215444"/>
-          </a:xfrm>
-          <a:prstGeom prst="rect">
-            <a:avLst/>
-          </a:prstGeom>
-          <a:noFill/>
-        </p:spPr>
-        <p:txBody>
-          <a:bodyPr wrap="none" rtlCol="0">
-            <a:spAutoFit/>
-          </a:bodyPr>
-          <a:lstStyle/>
-          <a:p>
-            <a:r>
-              <a:rPr lang="it-IT" sz="800" dirty="0" err="1" smtClean="0"/>
-              <a:t>valorePressioneATM</a:t>
-            </a:r>
-            <a:endParaRPr lang="it-IT" sz="800" dirty="0" smtClean="0"/>
-          </a:p>
-        </p:txBody>
-      </p:sp>
-      <p:sp>
-        <p:nvSpPr>
-          <p:cNvPr id="442" name="CasellaDiTesto 441"/>
-          <p:cNvSpPr txBox="1"/>
-          <p:nvPr/>
-        </p:nvSpPr>
-        <p:spPr>
-          <a:xfrm>
-            <a:off x="1841957" y="5795324"/>
-            <a:ext cx="1035410" cy="215444"/>
-          </a:xfrm>
-          <a:prstGeom prst="rect">
-            <a:avLst/>
-          </a:prstGeom>
-          <a:noFill/>
-        </p:spPr>
-        <p:txBody>
-          <a:bodyPr wrap="none" rtlCol="0">
-            <a:spAutoFit/>
-          </a:bodyPr>
-          <a:lstStyle/>
-          <a:p>
-            <a:r>
-              <a:rPr lang="it-IT" sz="800" dirty="0" err="1" smtClean="0"/>
-              <a:t>valorePrecipitazione</a:t>
-            </a:r>
-            <a:endParaRPr lang="it-IT" sz="800" dirty="0" smtClean="0"/>
-          </a:p>
-        </p:txBody>
-      </p:sp>
-      <p:sp>
-        <p:nvSpPr>
-          <p:cNvPr id="443" name="CasellaDiTesto 442"/>
-          <p:cNvSpPr txBox="1"/>
-          <p:nvPr/>
-        </p:nvSpPr>
-        <p:spPr>
-          <a:xfrm>
-            <a:off x="869854" y="5795324"/>
-            <a:ext cx="992579" cy="215444"/>
-          </a:xfrm>
-          <a:prstGeom prst="rect">
-            <a:avLst/>
-          </a:prstGeom>
-          <a:noFill/>
-        </p:spPr>
-        <p:txBody>
-          <a:bodyPr wrap="none" rtlCol="0">
-            <a:spAutoFit/>
-          </a:bodyPr>
-          <a:lstStyle/>
-          <a:p>
-            <a:r>
-              <a:rPr lang="it-IT" sz="800" dirty="0" err="1" smtClean="0"/>
-              <a:t>valoreTemperatura</a:t>
-            </a:r>
-            <a:endParaRPr lang="it-IT" sz="800" dirty="0" smtClean="0"/>
-          </a:p>
-        </p:txBody>
-      </p:sp>
-      <p:sp>
-        <p:nvSpPr>
-          <p:cNvPr id="444" name="CasellaDiTesto 443"/>
-          <p:cNvSpPr txBox="1"/>
-          <p:nvPr/>
-        </p:nvSpPr>
-        <p:spPr>
-          <a:xfrm>
-            <a:off x="5049199" y="5795324"/>
-            <a:ext cx="697627" cy="215444"/>
-          </a:xfrm>
-          <a:prstGeom prst="rect">
-            <a:avLst/>
-          </a:prstGeom>
-          <a:noFill/>
-        </p:spPr>
-        <p:txBody>
-          <a:bodyPr wrap="none" rtlCol="0">
-            <a:spAutoFit/>
-          </a:bodyPr>
-          <a:lstStyle/>
-          <a:p>
-            <a:r>
-              <a:rPr lang="it-IT" sz="800" dirty="0" err="1" smtClean="0"/>
-              <a:t>livelloAcqua</a:t>
-            </a:r>
-            <a:endParaRPr lang="it-IT" sz="800" dirty="0" smtClean="0"/>
           </a:p>
         </p:txBody>
       </p:sp>
@@ -9393,293 +9051,6 @@
           </a:p>
         </p:txBody>
       </p:sp>
-      <p:sp>
-        <p:nvSpPr>
-          <p:cNvPr id="446" name="Ovale 445"/>
-          <p:cNvSpPr/>
-          <p:nvPr/>
-        </p:nvSpPr>
-        <p:spPr>
-          <a:xfrm>
-            <a:off x="3303752" y="5704642"/>
-            <a:ext cx="142455" cy="125409"/>
-          </a:xfrm>
-          <a:prstGeom prst="ellipse">
-            <a:avLst/>
-          </a:prstGeom>
-          <a:gradFill flip="none" rotWithShape="1">
-            <a:gsLst>
-              <a:gs pos="0">
-                <a:schemeClr val="accent4">
-                  <a:lumMod val="60000"/>
-                  <a:lumOff val="40000"/>
-                </a:schemeClr>
-              </a:gs>
-              <a:gs pos="100000">
-                <a:srgbClr val="FFFFFF"/>
-              </a:gs>
-            </a:gsLst>
-            <a:lin ang="15600000" scaled="0"/>
-            <a:tileRect/>
-          </a:gradFill>
-          <a:ln>
-            <a:solidFill>
-              <a:schemeClr val="tx1"/>
-            </a:solidFill>
-          </a:ln>
-        </p:spPr>
-        <p:style>
-          <a:lnRef idx="1">
-            <a:schemeClr val="accent1"/>
-          </a:lnRef>
-          <a:fillRef idx="3">
-            <a:schemeClr val="accent1"/>
-          </a:fillRef>
-          <a:effectRef idx="2">
-            <a:schemeClr val="accent1"/>
-          </a:effectRef>
-          <a:fontRef idx="minor">
-            <a:schemeClr val="lt1"/>
-          </a:fontRef>
-        </p:style>
-        <p:txBody>
-          <a:bodyPr rtlCol="0" anchor="ctr"/>
-          <a:lstStyle/>
-          <a:p>
-            <a:pPr algn="ctr"/>
-            <a:endParaRPr lang="it-IT" sz="800"/>
-          </a:p>
-        </p:txBody>
-      </p:sp>
-      <p:cxnSp>
-        <p:nvCxnSpPr>
-          <p:cNvPr id="447" name="Connettore 1 446"/>
-          <p:cNvCxnSpPr>
-            <a:stCxn id="446" idx="0"/>
-          </p:cNvCxnSpPr>
-          <p:nvPr/>
-        </p:nvCxnSpPr>
-        <p:spPr>
-          <a:xfrm flipV="1">
-            <a:off x="3374978" y="5544519"/>
-            <a:ext cx="0" cy="160123"/>
-          </a:xfrm>
-          <a:prstGeom prst="line">
-            <a:avLst/>
-          </a:prstGeom>
-          <a:ln w="12700">
-            <a:solidFill>
-              <a:schemeClr val="tx1"/>
-            </a:solidFill>
-          </a:ln>
-        </p:spPr>
-        <p:style>
-          <a:lnRef idx="2">
-            <a:schemeClr val="accent1"/>
-          </a:lnRef>
-          <a:fillRef idx="0">
-            <a:schemeClr val="accent1"/>
-          </a:fillRef>
-          <a:effectRef idx="1">
-            <a:schemeClr val="accent1"/>
-          </a:effectRef>
-          <a:fontRef idx="minor">
-            <a:schemeClr val="tx1"/>
-          </a:fontRef>
-        </p:style>
-      </p:cxnSp>
-      <p:sp>
-        <p:nvSpPr>
-          <p:cNvPr id="448" name="Ovale 447"/>
-          <p:cNvSpPr/>
-          <p:nvPr/>
-        </p:nvSpPr>
-        <p:spPr>
-          <a:xfrm>
-            <a:off x="5322141" y="5704642"/>
-            <a:ext cx="142455" cy="125409"/>
-          </a:xfrm>
-          <a:prstGeom prst="ellipse">
-            <a:avLst/>
-          </a:prstGeom>
-          <a:gradFill flip="none" rotWithShape="1">
-            <a:gsLst>
-              <a:gs pos="0">
-                <a:schemeClr val="accent1">
-                  <a:lumMod val="60000"/>
-                  <a:lumOff val="40000"/>
-                </a:schemeClr>
-              </a:gs>
-              <a:gs pos="100000">
-                <a:srgbClr val="FFFFFF"/>
-              </a:gs>
-            </a:gsLst>
-            <a:lin ang="15600000" scaled="0"/>
-            <a:tileRect/>
-          </a:gradFill>
-          <a:ln>
-            <a:solidFill>
-              <a:schemeClr val="tx1"/>
-            </a:solidFill>
-          </a:ln>
-        </p:spPr>
-        <p:style>
-          <a:lnRef idx="1">
-            <a:schemeClr val="accent1"/>
-          </a:lnRef>
-          <a:fillRef idx="3">
-            <a:schemeClr val="accent1"/>
-          </a:fillRef>
-          <a:effectRef idx="2">
-            <a:schemeClr val="accent1"/>
-          </a:effectRef>
-          <a:fontRef idx="minor">
-            <a:schemeClr val="lt1"/>
-          </a:fontRef>
-        </p:style>
-        <p:txBody>
-          <a:bodyPr rtlCol="0" anchor="ctr"/>
-          <a:lstStyle/>
-          <a:p>
-            <a:pPr algn="ctr"/>
-            <a:endParaRPr lang="it-IT" sz="800"/>
-          </a:p>
-        </p:txBody>
-      </p:sp>
-      <p:cxnSp>
-        <p:nvCxnSpPr>
-          <p:cNvPr id="449" name="Connettore 1 448"/>
-          <p:cNvCxnSpPr>
-            <a:stCxn id="448" idx="0"/>
-            <a:endCxn id="445" idx="2"/>
-          </p:cNvCxnSpPr>
-          <p:nvPr/>
-        </p:nvCxnSpPr>
-        <p:spPr>
-          <a:xfrm flipH="1" flipV="1">
-            <a:off x="5393368" y="5532810"/>
-            <a:ext cx="1" cy="171831"/>
-          </a:xfrm>
-          <a:prstGeom prst="line">
-            <a:avLst/>
-          </a:prstGeom>
-          <a:ln w="12700">
-            <a:solidFill>
-              <a:schemeClr val="tx1"/>
-            </a:solidFill>
-          </a:ln>
-        </p:spPr>
-        <p:style>
-          <a:lnRef idx="2">
-            <a:schemeClr val="accent1"/>
-          </a:lnRef>
-          <a:fillRef idx="0">
-            <a:schemeClr val="accent1"/>
-          </a:fillRef>
-          <a:effectRef idx="1">
-            <a:schemeClr val="accent1"/>
-          </a:effectRef>
-          <a:fontRef idx="minor">
-            <a:schemeClr val="tx1"/>
-          </a:fontRef>
-        </p:style>
-      </p:cxnSp>
-      <p:sp>
-        <p:nvSpPr>
-          <p:cNvPr id="450" name="Ovale 449"/>
-          <p:cNvSpPr/>
-          <p:nvPr/>
-        </p:nvSpPr>
-        <p:spPr>
-          <a:xfrm>
-            <a:off x="4301084" y="5704642"/>
-            <a:ext cx="142455" cy="125409"/>
-          </a:xfrm>
-          <a:prstGeom prst="ellipse">
-            <a:avLst/>
-          </a:prstGeom>
-          <a:gradFill flip="none" rotWithShape="1">
-            <a:gsLst>
-              <a:gs pos="0">
-                <a:schemeClr val="accent4">
-                  <a:lumMod val="60000"/>
-                  <a:lumOff val="40000"/>
-                </a:schemeClr>
-              </a:gs>
-              <a:gs pos="100000">
-                <a:srgbClr val="FFFFFF"/>
-              </a:gs>
-            </a:gsLst>
-            <a:lin ang="15600000" scaled="0"/>
-            <a:tileRect/>
-          </a:gradFill>
-          <a:ln>
-            <a:solidFill>
-              <a:schemeClr val="tx1"/>
-            </a:solidFill>
-          </a:ln>
-        </p:spPr>
-        <p:style>
-          <a:lnRef idx="1">
-            <a:schemeClr val="accent1"/>
-          </a:lnRef>
-          <a:fillRef idx="3">
-            <a:schemeClr val="accent1"/>
-          </a:fillRef>
-          <a:effectRef idx="2">
-            <a:schemeClr val="accent1"/>
-          </a:effectRef>
-          <a:fontRef idx="minor">
-            <a:schemeClr val="lt1"/>
-          </a:fontRef>
-        </p:style>
-        <p:txBody>
-          <a:bodyPr rtlCol="0" anchor="ctr"/>
-          <a:lstStyle/>
-          <a:p>
-            <a:pPr algn="ctr"/>
-            <a:endParaRPr lang="it-IT" sz="800"/>
-          </a:p>
-        </p:txBody>
-      </p:sp>
-      <p:cxnSp>
-        <p:nvCxnSpPr>
-          <p:cNvPr id="451" name="Connettore 1 450"/>
-          <p:cNvCxnSpPr>
-            <a:stCxn id="450" idx="0"/>
-            <a:endCxn id="440" idx="2"/>
-          </p:cNvCxnSpPr>
-          <p:nvPr/>
-        </p:nvCxnSpPr>
-        <p:spPr>
-          <a:xfrm flipV="1">
-            <a:off x="4372310" y="5533347"/>
-            <a:ext cx="0" cy="171295"/>
-          </a:xfrm>
-          <a:prstGeom prst="line">
-            <a:avLst/>
-          </a:prstGeom>
-          <a:ln w="12700">
-            <a:solidFill>
-              <a:schemeClr val="tx1"/>
-            </a:solidFill>
-          </a:ln>
-        </p:spPr>
-        <p:style>
-          <a:lnRef idx="2">
-            <a:schemeClr val="accent1"/>
-          </a:lnRef>
-          <a:fillRef idx="0">
-            <a:schemeClr val="accent1"/>
-          </a:fillRef>
-          <a:effectRef idx="1">
-            <a:schemeClr val="accent1"/>
-          </a:effectRef>
-          <a:fontRef idx="minor">
-            <a:schemeClr val="tx1"/>
-          </a:fontRef>
-        </p:style>
-      </p:cxnSp>
       <p:cxnSp>
         <p:nvCxnSpPr>
           <p:cNvPr id="452" name="Connettore 1 451"/>

--- a/ERCompleto.pptx
+++ b/ERCompleto.pptx
@@ -288,7 +288,7 @@
           <a:p>
             <a:fld id="{89A01917-11E6-7E45-BABE-5B00BEB7084B}" type="datetimeFigureOut">
               <a:rPr lang="it-IT" smtClean="0"/>
-              <a:t>19/02/15</a:t>
+              <a:t>20/02/15</a:t>
             </a:fld>
             <a:endParaRPr lang="it-IT"/>
           </a:p>
@@ -458,7 +458,7 @@
           <a:p>
             <a:fld id="{89A01917-11E6-7E45-BABE-5B00BEB7084B}" type="datetimeFigureOut">
               <a:rPr lang="it-IT" smtClean="0"/>
-              <a:t>19/02/15</a:t>
+              <a:t>20/02/15</a:t>
             </a:fld>
             <a:endParaRPr lang="it-IT"/>
           </a:p>
@@ -638,7 +638,7 @@
           <a:p>
             <a:fld id="{89A01917-11E6-7E45-BABE-5B00BEB7084B}" type="datetimeFigureOut">
               <a:rPr lang="it-IT" smtClean="0"/>
-              <a:t>19/02/15</a:t>
+              <a:t>20/02/15</a:t>
             </a:fld>
             <a:endParaRPr lang="it-IT"/>
           </a:p>
@@ -808,7 +808,7 @@
           <a:p>
             <a:fld id="{89A01917-11E6-7E45-BABE-5B00BEB7084B}" type="datetimeFigureOut">
               <a:rPr lang="it-IT" smtClean="0"/>
-              <a:t>19/02/15</a:t>
+              <a:t>20/02/15</a:t>
             </a:fld>
             <a:endParaRPr lang="it-IT"/>
           </a:p>
@@ -1054,7 +1054,7 @@
           <a:p>
             <a:fld id="{89A01917-11E6-7E45-BABE-5B00BEB7084B}" type="datetimeFigureOut">
               <a:rPr lang="it-IT" smtClean="0"/>
-              <a:t>19/02/15</a:t>
+              <a:t>20/02/15</a:t>
             </a:fld>
             <a:endParaRPr lang="it-IT"/>
           </a:p>
@@ -1342,7 +1342,7 @@
           <a:p>
             <a:fld id="{89A01917-11E6-7E45-BABE-5B00BEB7084B}" type="datetimeFigureOut">
               <a:rPr lang="it-IT" smtClean="0"/>
-              <a:t>19/02/15</a:t>
+              <a:t>20/02/15</a:t>
             </a:fld>
             <a:endParaRPr lang="it-IT"/>
           </a:p>
@@ -1769,7 +1769,7 @@
           <a:p>
             <a:fld id="{89A01917-11E6-7E45-BABE-5B00BEB7084B}" type="datetimeFigureOut">
               <a:rPr lang="it-IT" smtClean="0"/>
-              <a:t>19/02/15</a:t>
+              <a:t>20/02/15</a:t>
             </a:fld>
             <a:endParaRPr lang="it-IT"/>
           </a:p>
@@ -1887,7 +1887,7 @@
           <a:p>
             <a:fld id="{89A01917-11E6-7E45-BABE-5B00BEB7084B}" type="datetimeFigureOut">
               <a:rPr lang="it-IT" smtClean="0"/>
-              <a:t>19/02/15</a:t>
+              <a:t>20/02/15</a:t>
             </a:fld>
             <a:endParaRPr lang="it-IT"/>
           </a:p>
@@ -1982,7 +1982,7 @@
           <a:p>
             <a:fld id="{89A01917-11E6-7E45-BABE-5B00BEB7084B}" type="datetimeFigureOut">
               <a:rPr lang="it-IT" smtClean="0"/>
-              <a:t>19/02/15</a:t>
+              <a:t>20/02/15</a:t>
             </a:fld>
             <a:endParaRPr lang="it-IT"/>
           </a:p>
@@ -2259,7 +2259,7 @@
           <a:p>
             <a:fld id="{89A01917-11E6-7E45-BABE-5B00BEB7084B}" type="datetimeFigureOut">
               <a:rPr lang="it-IT" smtClean="0"/>
-              <a:t>19/02/15</a:t>
+              <a:t>20/02/15</a:t>
             </a:fld>
             <a:endParaRPr lang="it-IT"/>
           </a:p>
@@ -2512,7 +2512,7 @@
           <a:p>
             <a:fld id="{89A01917-11E6-7E45-BABE-5B00BEB7084B}" type="datetimeFigureOut">
               <a:rPr lang="it-IT" smtClean="0"/>
-              <a:t>19/02/15</a:t>
+              <a:t>20/02/15</a:t>
             </a:fld>
             <a:endParaRPr lang="it-IT"/>
           </a:p>
@@ -2725,7 +2725,7 @@
           <a:p>
             <a:fld id="{89A01917-11E6-7E45-BABE-5B00BEB7084B}" type="datetimeFigureOut">
               <a:rPr lang="it-IT" smtClean="0"/>
-              <a:t>19/02/15</a:t>
+              <a:t>20/02/15</a:t>
             </a:fld>
             <a:endParaRPr lang="it-IT"/>
           </a:p>
@@ -13880,18 +13880,823 @@
           </a:fontRef>
         </p:style>
       </p:cxnSp>
-      <p:sp>
-        <p:nvSpPr>
-          <p:cNvPr id="571" name="Rettangolo 570"/>
+      <p:cxnSp>
+        <p:nvCxnSpPr>
+          <p:cNvPr id="572" name="Connettore 1 791"/>
+          <p:cNvCxnSpPr>
+            <a:stCxn id="571" idx="3"/>
+            <a:endCxn id="412" idx="3"/>
+          </p:cNvCxnSpPr>
+          <p:nvPr/>
+        </p:nvCxnSpPr>
+        <p:spPr>
+          <a:xfrm flipH="1">
+            <a:off x="8591815" y="3917001"/>
+            <a:ext cx="4712629" cy="1885008"/>
+          </a:xfrm>
+          <a:prstGeom prst="bentConnector3">
+            <a:avLst>
+              <a:gd name="adj1" fmla="val -2965"/>
+            </a:avLst>
+          </a:prstGeom>
+          <a:ln w="12700">
+            <a:solidFill>
+              <a:schemeClr val="tx1"/>
+            </a:solidFill>
+          </a:ln>
+        </p:spPr>
+        <p:style>
+          <a:lnRef idx="2">
+            <a:schemeClr val="accent1"/>
+          </a:lnRef>
+          <a:fillRef idx="0">
+            <a:schemeClr val="accent1"/>
+          </a:fillRef>
+          <a:effectRef idx="1">
+            <a:schemeClr val="accent1"/>
+          </a:effectRef>
+          <a:fontRef idx="minor">
+            <a:schemeClr val="tx1"/>
+          </a:fontRef>
+        </p:style>
+      </p:cxnSp>
+      <p:sp>
+        <p:nvSpPr>
+          <p:cNvPr id="575" name="Ovale 574"/>
           <p:cNvSpPr/>
           <p:nvPr/>
         </p:nvSpPr>
         <p:spPr>
           <a:xfrm>
-            <a:off x="12459630" y="3724144"/>
+            <a:off x="2941935" y="2923141"/>
+            <a:ext cx="142455" cy="125409"/>
+          </a:xfrm>
+          <a:prstGeom prst="ellipse">
+            <a:avLst/>
+          </a:prstGeom>
+          <a:gradFill flip="none" rotWithShape="1">
+            <a:gsLst>
+              <a:gs pos="0">
+                <a:srgbClr val="CCFFCC"/>
+              </a:gs>
+              <a:gs pos="100000">
+                <a:srgbClr val="FFFFFF"/>
+              </a:gs>
+            </a:gsLst>
+            <a:lin ang="16200000" scaled="0"/>
+            <a:tileRect/>
+          </a:gradFill>
+          <a:ln>
+            <a:solidFill>
+              <a:schemeClr val="tx1"/>
+            </a:solidFill>
+          </a:ln>
+        </p:spPr>
+        <p:style>
+          <a:lnRef idx="1">
+            <a:schemeClr val="accent1"/>
+          </a:lnRef>
+          <a:fillRef idx="3">
+            <a:schemeClr val="accent1"/>
+          </a:fillRef>
+          <a:effectRef idx="2">
+            <a:schemeClr val="accent1"/>
+          </a:effectRef>
+          <a:fontRef idx="minor">
+            <a:schemeClr val="lt1"/>
+          </a:fontRef>
+        </p:style>
+        <p:txBody>
+          <a:bodyPr rtlCol="0" anchor="ctr"/>
+          <a:lstStyle/>
+          <a:p>
+            <a:pPr algn="ctr"/>
+            <a:endParaRPr lang="it-IT" sz="800"/>
+          </a:p>
+        </p:txBody>
+      </p:sp>
+      <p:cxnSp>
+        <p:nvCxnSpPr>
+          <p:cNvPr id="576" name="Connettore 1 575"/>
+          <p:cNvCxnSpPr>
+            <a:stCxn id="575" idx="0"/>
+          </p:cNvCxnSpPr>
+          <p:nvPr/>
+        </p:nvCxnSpPr>
+        <p:spPr>
+          <a:xfrm flipV="1">
+            <a:off x="3013163" y="2569683"/>
+            <a:ext cx="0" cy="353458"/>
+          </a:xfrm>
+          <a:prstGeom prst="line">
+            <a:avLst/>
+          </a:prstGeom>
+          <a:ln w="12700">
+            <a:solidFill>
+              <a:schemeClr val="tx1"/>
+            </a:solidFill>
+          </a:ln>
+        </p:spPr>
+        <p:style>
+          <a:lnRef idx="2">
+            <a:schemeClr val="accent1"/>
+          </a:lnRef>
+          <a:fillRef idx="0">
+            <a:schemeClr val="accent1"/>
+          </a:fillRef>
+          <a:effectRef idx="1">
+            <a:schemeClr val="accent1"/>
+          </a:effectRef>
+          <a:fontRef idx="minor">
+            <a:schemeClr val="tx1"/>
+          </a:fontRef>
+        </p:style>
+      </p:cxnSp>
+      <p:sp>
+        <p:nvSpPr>
+          <p:cNvPr id="577" name="Rettangolo 576"/>
+          <p:cNvSpPr/>
+          <p:nvPr/>
+        </p:nvSpPr>
+        <p:spPr>
+          <a:xfrm>
+            <a:off x="2834128" y="2432033"/>
             <a:ext cx="844814" cy="385713"/>
           </a:xfrm>
           <a:prstGeom prst="rect">
+            <a:avLst/>
+          </a:prstGeom>
+          <a:gradFill flip="none" rotWithShape="1">
+            <a:gsLst>
+              <a:gs pos="0">
+                <a:srgbClr val="CCFFCC"/>
+              </a:gs>
+              <a:gs pos="100000">
+                <a:srgbClr val="FFFFFF"/>
+              </a:gs>
+            </a:gsLst>
+            <a:lin ang="16200000" scaled="0"/>
+            <a:tileRect/>
+          </a:gradFill>
+          <a:ln>
+            <a:solidFill>
+              <a:schemeClr val="tx1"/>
+            </a:solidFill>
+          </a:ln>
+        </p:spPr>
+        <p:style>
+          <a:lnRef idx="1">
+            <a:schemeClr val="accent1"/>
+          </a:lnRef>
+          <a:fillRef idx="3">
+            <a:schemeClr val="accent1"/>
+          </a:fillRef>
+          <a:effectRef idx="2">
+            <a:schemeClr val="accent1"/>
+          </a:effectRef>
+          <a:fontRef idx="minor">
+            <a:schemeClr val="lt1"/>
+          </a:fontRef>
+        </p:style>
+        <p:txBody>
+          <a:bodyPr rtlCol="0" anchor="ctr"/>
+          <a:lstStyle/>
+          <a:p>
+            <a:pPr algn="ctr"/>
+            <a:r>
+              <a:rPr lang="it-IT" sz="800" dirty="0" smtClean="0">
+                <a:solidFill>
+                  <a:srgbClr val="000000"/>
+                </a:solidFill>
+              </a:rPr>
+              <a:t>Persona</a:t>
+            </a:r>
+            <a:endParaRPr lang="it-IT" sz="800" dirty="0">
+              <a:solidFill>
+                <a:srgbClr val="000000"/>
+              </a:solidFill>
+            </a:endParaRPr>
+          </a:p>
+        </p:txBody>
+      </p:sp>
+      <p:cxnSp>
+        <p:nvCxnSpPr>
+          <p:cNvPr id="578" name="Connettore 1 577"/>
+          <p:cNvCxnSpPr>
+            <a:stCxn id="579" idx="0"/>
+          </p:cNvCxnSpPr>
+          <p:nvPr/>
+        </p:nvCxnSpPr>
+        <p:spPr>
+          <a:xfrm flipV="1">
+            <a:off x="7570085" y="855347"/>
+            <a:ext cx="0" cy="341137"/>
+          </a:xfrm>
+          <a:prstGeom prst="line">
+            <a:avLst/>
+          </a:prstGeom>
+          <a:ln w="12700">
+            <a:solidFill>
+              <a:schemeClr val="tx1"/>
+            </a:solidFill>
+          </a:ln>
+        </p:spPr>
+        <p:style>
+          <a:lnRef idx="2">
+            <a:schemeClr val="accent1"/>
+          </a:lnRef>
+          <a:fillRef idx="0">
+            <a:schemeClr val="accent1"/>
+          </a:fillRef>
+          <a:effectRef idx="1">
+            <a:schemeClr val="accent1"/>
+          </a:effectRef>
+          <a:fontRef idx="minor">
+            <a:schemeClr val="tx1"/>
+          </a:fontRef>
+        </p:style>
+      </p:cxnSp>
+      <p:sp>
+        <p:nvSpPr>
+          <p:cNvPr id="579" name="Ovale 578"/>
+          <p:cNvSpPr/>
+          <p:nvPr/>
+        </p:nvSpPr>
+        <p:spPr>
+          <a:xfrm>
+            <a:off x="7498859" y="1196484"/>
+            <a:ext cx="142455" cy="125409"/>
+          </a:xfrm>
+          <a:prstGeom prst="ellipse">
+            <a:avLst/>
+          </a:prstGeom>
+          <a:gradFill flip="none" rotWithShape="1">
+            <a:gsLst>
+              <a:gs pos="0">
+                <a:schemeClr val="tx2">
+                  <a:lumMod val="40000"/>
+                  <a:lumOff val="60000"/>
+                </a:schemeClr>
+              </a:gs>
+              <a:gs pos="100000">
+                <a:schemeClr val="bg1"/>
+              </a:gs>
+            </a:gsLst>
+            <a:lin ang="16200000" scaled="0"/>
+            <a:tileRect/>
+          </a:gradFill>
+          <a:ln>
+            <a:solidFill>
+              <a:schemeClr val="tx1"/>
+            </a:solidFill>
+          </a:ln>
+        </p:spPr>
+        <p:style>
+          <a:lnRef idx="1">
+            <a:schemeClr val="accent1"/>
+          </a:lnRef>
+          <a:fillRef idx="3">
+            <a:schemeClr val="accent1"/>
+          </a:fillRef>
+          <a:effectRef idx="2">
+            <a:schemeClr val="accent1"/>
+          </a:effectRef>
+          <a:fontRef idx="minor">
+            <a:schemeClr val="lt1"/>
+          </a:fontRef>
+        </p:style>
+        <p:txBody>
+          <a:bodyPr rtlCol="0" anchor="ctr"/>
+          <a:lstStyle/>
+          <a:p>
+            <a:pPr algn="ctr"/>
+            <a:endParaRPr lang="it-IT" sz="800"/>
+          </a:p>
+        </p:txBody>
+      </p:sp>
+      <p:sp>
+        <p:nvSpPr>
+          <p:cNvPr id="580" name="CasellaDiTesto 579"/>
+          <p:cNvSpPr txBox="1"/>
+          <p:nvPr/>
+        </p:nvSpPr>
+        <p:spPr>
+          <a:xfrm>
+            <a:off x="7604747" y="1138423"/>
+            <a:ext cx="428322" cy="215444"/>
+          </a:xfrm>
+          <a:prstGeom prst="rect">
+            <a:avLst/>
+          </a:prstGeom>
+          <a:noFill/>
+        </p:spPr>
+        <p:txBody>
+          <a:bodyPr wrap="none" rtlCol="0">
+            <a:spAutoFit/>
+          </a:bodyPr>
+          <a:lstStyle/>
+          <a:p>
+            <a:r>
+              <a:rPr lang="it-IT" sz="800" dirty="0" smtClean="0"/>
+              <a:t>nome</a:t>
+            </a:r>
+          </a:p>
+        </p:txBody>
+      </p:sp>
+      <p:sp>
+        <p:nvSpPr>
+          <p:cNvPr id="581" name="Rettangolo 580"/>
+          <p:cNvSpPr/>
+          <p:nvPr/>
+        </p:nvSpPr>
+        <p:spPr>
+          <a:xfrm>
+            <a:off x="7366439" y="673480"/>
+            <a:ext cx="844814" cy="385713"/>
+          </a:xfrm>
+          <a:prstGeom prst="rect">
+            <a:avLst/>
+          </a:prstGeom>
+          <a:gradFill flip="none" rotWithShape="1">
+            <a:gsLst>
+              <a:gs pos="0">
+                <a:schemeClr val="tx2">
+                  <a:lumMod val="40000"/>
+                  <a:lumOff val="60000"/>
+                </a:schemeClr>
+              </a:gs>
+              <a:gs pos="100000">
+                <a:schemeClr val="bg1"/>
+              </a:gs>
+            </a:gsLst>
+            <a:lin ang="16200000" scaled="0"/>
+            <a:tileRect/>
+          </a:gradFill>
+          <a:ln>
+            <a:solidFill>
+              <a:schemeClr val="tx1"/>
+            </a:solidFill>
+          </a:ln>
+        </p:spPr>
+        <p:style>
+          <a:lnRef idx="1">
+            <a:schemeClr val="accent1"/>
+          </a:lnRef>
+          <a:fillRef idx="3">
+            <a:schemeClr val="accent1"/>
+          </a:fillRef>
+          <a:effectRef idx="2">
+            <a:schemeClr val="accent1"/>
+          </a:effectRef>
+          <a:fontRef idx="minor">
+            <a:schemeClr val="lt1"/>
+          </a:fontRef>
+        </p:style>
+        <p:txBody>
+          <a:bodyPr rtlCol="0" anchor="ctr"/>
+          <a:lstStyle/>
+          <a:p>
+            <a:pPr algn="ctr"/>
+            <a:r>
+              <a:rPr lang="it-IT" sz="800" dirty="0" smtClean="0">
+                <a:solidFill>
+                  <a:srgbClr val="000000"/>
+                </a:solidFill>
+              </a:rPr>
+              <a:t>Fiume</a:t>
+            </a:r>
+            <a:endParaRPr lang="it-IT" sz="800" dirty="0">
+              <a:solidFill>
+                <a:srgbClr val="000000"/>
+              </a:solidFill>
+            </a:endParaRPr>
+          </a:p>
+        </p:txBody>
+      </p:sp>
+      <p:sp>
+        <p:nvSpPr>
+          <p:cNvPr id="291" name="Diamante 290"/>
+          <p:cNvSpPr/>
+          <p:nvPr/>
+        </p:nvSpPr>
+        <p:spPr>
+          <a:xfrm>
+            <a:off x="11199721" y="923680"/>
+            <a:ext cx="757842" cy="367675"/>
+          </a:xfrm>
+          <a:prstGeom prst="diamond">
+            <a:avLst/>
+          </a:prstGeom>
+          <a:gradFill flip="none" rotWithShape="1">
+            <a:gsLst>
+              <a:gs pos="0">
+                <a:schemeClr val="tx2">
+                  <a:lumMod val="40000"/>
+                  <a:lumOff val="60000"/>
+                </a:schemeClr>
+              </a:gs>
+              <a:gs pos="100000">
+                <a:schemeClr val="bg1"/>
+              </a:gs>
+            </a:gsLst>
+            <a:lin ang="16200000" scaled="0"/>
+            <a:tileRect/>
+          </a:gradFill>
+          <a:ln>
+            <a:solidFill>
+              <a:schemeClr val="tx1"/>
+            </a:solidFill>
+          </a:ln>
+        </p:spPr>
+        <p:style>
+          <a:lnRef idx="1">
+            <a:schemeClr val="accent1"/>
+          </a:lnRef>
+          <a:fillRef idx="3">
+            <a:schemeClr val="accent1"/>
+          </a:fillRef>
+          <a:effectRef idx="2">
+            <a:schemeClr val="accent1"/>
+          </a:effectRef>
+          <a:fontRef idx="minor">
+            <a:schemeClr val="lt1"/>
+          </a:fontRef>
+        </p:style>
+        <p:txBody>
+          <a:bodyPr rtlCol="0" anchor="ctr"/>
+          <a:lstStyle/>
+          <a:p>
+            <a:pPr algn="ctr"/>
+            <a:endParaRPr lang="it-IT" sz="800"/>
+          </a:p>
+        </p:txBody>
+      </p:sp>
+      <p:cxnSp>
+        <p:nvCxnSpPr>
+          <p:cNvPr id="3" name="Connettore 1 2"/>
+          <p:cNvCxnSpPr>
+            <a:stCxn id="291" idx="3"/>
+            <a:endCxn id="571" idx="0"/>
+          </p:cNvCxnSpPr>
+          <p:nvPr/>
+        </p:nvCxnSpPr>
+        <p:spPr>
+          <a:xfrm>
+            <a:off x="11957563" y="1107518"/>
+            <a:ext cx="924474" cy="2616626"/>
+          </a:xfrm>
+          <a:prstGeom prst="bentConnector2">
+            <a:avLst/>
+          </a:prstGeom>
+          <a:ln w="12700">
+            <a:solidFill>
+              <a:schemeClr val="tx1"/>
+            </a:solidFill>
+          </a:ln>
+        </p:spPr>
+        <p:style>
+          <a:lnRef idx="2">
+            <a:schemeClr val="accent1"/>
+          </a:lnRef>
+          <a:fillRef idx="0">
+            <a:schemeClr val="accent1"/>
+          </a:fillRef>
+          <a:effectRef idx="1">
+            <a:schemeClr val="accent1"/>
+          </a:effectRef>
+          <a:fontRef idx="minor">
+            <a:schemeClr val="tx1"/>
+          </a:fontRef>
+        </p:style>
+      </p:cxnSp>
+      <p:cxnSp>
+        <p:nvCxnSpPr>
+          <p:cNvPr id="6" name="Connettore 1 5"/>
+          <p:cNvCxnSpPr>
+            <a:endCxn id="291" idx="1"/>
+          </p:cNvCxnSpPr>
+          <p:nvPr/>
+        </p:nvCxnSpPr>
+        <p:spPr>
+          <a:xfrm flipV="1">
+            <a:off x="9567363" y="1107518"/>
+            <a:ext cx="1632358" cy="724933"/>
+          </a:xfrm>
+          <a:prstGeom prst="line">
+            <a:avLst/>
+          </a:prstGeom>
+          <a:ln w="12700">
+            <a:solidFill>
+              <a:schemeClr val="tx1"/>
+            </a:solidFill>
+          </a:ln>
+        </p:spPr>
+        <p:style>
+          <a:lnRef idx="2">
+            <a:schemeClr val="accent1"/>
+          </a:lnRef>
+          <a:fillRef idx="0">
+            <a:schemeClr val="accent1"/>
+          </a:fillRef>
+          <a:effectRef idx="1">
+            <a:schemeClr val="accent1"/>
+          </a:effectRef>
+          <a:fontRef idx="minor">
+            <a:schemeClr val="tx1"/>
+          </a:fontRef>
+        </p:style>
+      </p:cxnSp>
+      <p:sp>
+        <p:nvSpPr>
+          <p:cNvPr id="582" name="CasellaDiTesto 581"/>
+          <p:cNvSpPr txBox="1"/>
+          <p:nvPr/>
+        </p:nvSpPr>
+        <p:spPr>
+          <a:xfrm>
+            <a:off x="11266044" y="1005481"/>
+            <a:ext cx="640340" cy="215444"/>
+          </a:xfrm>
+          <a:prstGeom prst="rect">
+            <a:avLst/>
+          </a:prstGeom>
+          <a:noFill/>
+        </p:spPr>
+        <p:txBody>
+          <a:bodyPr wrap="square" rtlCol="0">
+            <a:spAutoFit/>
+          </a:bodyPr>
+          <a:lstStyle/>
+          <a:p>
+            <a:r>
+              <a:rPr lang="it-IT" sz="800" dirty="0" smtClean="0"/>
+              <a:t>appartiene</a:t>
+            </a:r>
+            <a:endParaRPr lang="it-IT" sz="800" dirty="0"/>
+          </a:p>
+        </p:txBody>
+      </p:sp>
+      <p:sp>
+        <p:nvSpPr>
+          <p:cNvPr id="583" name="CasellaDiTesto 582"/>
+          <p:cNvSpPr txBox="1"/>
+          <p:nvPr/>
+        </p:nvSpPr>
+        <p:spPr>
+          <a:xfrm>
+            <a:off x="10724991" y="968622"/>
+            <a:ext cx="436541" cy="215444"/>
+          </a:xfrm>
+          <a:prstGeom prst="rect">
+            <a:avLst/>
+          </a:prstGeom>
+          <a:noFill/>
+        </p:spPr>
+        <p:txBody>
+          <a:bodyPr wrap="square" rtlCol="0">
+            <a:spAutoFit/>
+          </a:bodyPr>
+          <a:lstStyle/>
+          <a:p>
+            <a:r>
+              <a:rPr lang="it-IT" sz="800" dirty="0" smtClean="0"/>
+              <a:t>(1,n)</a:t>
+            </a:r>
+            <a:endParaRPr lang="it-IT" sz="800" dirty="0"/>
+          </a:p>
+        </p:txBody>
+      </p:sp>
+      <p:sp>
+        <p:nvSpPr>
+          <p:cNvPr id="584" name="CasellaDiTesto 583"/>
+          <p:cNvSpPr txBox="1"/>
+          <p:nvPr/>
+        </p:nvSpPr>
+        <p:spPr>
+          <a:xfrm>
+            <a:off x="12539689" y="3469150"/>
+            <a:ext cx="436541" cy="215444"/>
+          </a:xfrm>
+          <a:prstGeom prst="rect">
+            <a:avLst/>
+          </a:prstGeom>
+          <a:noFill/>
+        </p:spPr>
+        <p:txBody>
+          <a:bodyPr wrap="square" rtlCol="0">
+            <a:spAutoFit/>
+          </a:bodyPr>
+          <a:lstStyle/>
+          <a:p>
+            <a:r>
+              <a:rPr lang="it-IT" sz="800" dirty="0" smtClean="0"/>
+              <a:t>(0,n)</a:t>
+            </a:r>
+            <a:endParaRPr lang="it-IT" sz="800" dirty="0"/>
+          </a:p>
+        </p:txBody>
+      </p:sp>
+      <p:sp>
+        <p:nvSpPr>
+          <p:cNvPr id="573" name="Ovale 572"/>
+          <p:cNvSpPr/>
+          <p:nvPr/>
+        </p:nvSpPr>
+        <p:spPr>
+          <a:xfrm>
+            <a:off x="4433493" y="3851852"/>
+            <a:ext cx="142455" cy="125409"/>
+          </a:xfrm>
+          <a:prstGeom prst="ellipse">
+            <a:avLst/>
+          </a:prstGeom>
+          <a:gradFill flip="none" rotWithShape="1">
+            <a:gsLst>
+              <a:gs pos="0">
+                <a:srgbClr val="CCFFCC"/>
+              </a:gs>
+              <a:gs pos="100000">
+                <a:srgbClr val="FFFFFF"/>
+              </a:gs>
+            </a:gsLst>
+            <a:lin ang="16200000" scaled="0"/>
+            <a:tileRect/>
+          </a:gradFill>
+          <a:ln>
+            <a:solidFill>
+              <a:schemeClr val="tx1"/>
+            </a:solidFill>
+          </a:ln>
+        </p:spPr>
+        <p:style>
+          <a:lnRef idx="1">
+            <a:schemeClr val="accent1"/>
+          </a:lnRef>
+          <a:fillRef idx="3">
+            <a:schemeClr val="accent1"/>
+          </a:fillRef>
+          <a:effectRef idx="2">
+            <a:schemeClr val="accent1"/>
+          </a:effectRef>
+          <a:fontRef idx="minor">
+            <a:schemeClr val="lt1"/>
+          </a:fontRef>
+        </p:style>
+        <p:txBody>
+          <a:bodyPr rtlCol="0" anchor="ctr"/>
+          <a:lstStyle/>
+          <a:p>
+            <a:pPr algn="ctr"/>
+            <a:endParaRPr lang="it-IT" sz="800"/>
+          </a:p>
+        </p:txBody>
+      </p:sp>
+      <p:cxnSp>
+        <p:nvCxnSpPr>
+          <p:cNvPr id="574" name="Connettore 1 573"/>
+          <p:cNvCxnSpPr>
+            <a:stCxn id="573" idx="0"/>
+          </p:cNvCxnSpPr>
+          <p:nvPr/>
+        </p:nvCxnSpPr>
+        <p:spPr>
+          <a:xfrm flipV="1">
+            <a:off x="4504721" y="3498394"/>
+            <a:ext cx="0" cy="353458"/>
+          </a:xfrm>
+          <a:prstGeom prst="line">
+            <a:avLst/>
+          </a:prstGeom>
+          <a:ln w="12700">
+            <a:solidFill>
+              <a:schemeClr val="tx1"/>
+            </a:solidFill>
+          </a:ln>
+        </p:spPr>
+        <p:style>
+          <a:lnRef idx="2">
+            <a:schemeClr val="accent1"/>
+          </a:lnRef>
+          <a:fillRef idx="0">
+            <a:schemeClr val="accent1"/>
+          </a:fillRef>
+          <a:effectRef idx="1">
+            <a:schemeClr val="accent1"/>
+          </a:effectRef>
+          <a:fontRef idx="minor">
+            <a:schemeClr val="tx1"/>
+          </a:fontRef>
+        </p:style>
+      </p:cxnSp>
+      <p:sp>
+        <p:nvSpPr>
+          <p:cNvPr id="586" name="CasellaDiTesto 585"/>
+          <p:cNvSpPr txBox="1"/>
+          <p:nvPr/>
+        </p:nvSpPr>
+        <p:spPr>
+          <a:xfrm>
+            <a:off x="4288692" y="3929180"/>
+            <a:ext cx="595035" cy="215444"/>
+          </a:xfrm>
+          <a:prstGeom prst="rect">
+            <a:avLst/>
+          </a:prstGeom>
+          <a:noFill/>
+        </p:spPr>
+        <p:txBody>
+          <a:bodyPr wrap="none" rtlCol="0">
+            <a:spAutoFit/>
+          </a:bodyPr>
+          <a:lstStyle/>
+          <a:p>
+            <a:r>
+              <a:rPr lang="it-IT" sz="800" dirty="0" err="1" smtClean="0"/>
+              <a:t>coordGPS</a:t>
+            </a:r>
+            <a:endParaRPr lang="it-IT" sz="800" dirty="0" smtClean="0"/>
+          </a:p>
+        </p:txBody>
+      </p:sp>
+      <p:sp>
+        <p:nvSpPr>
+          <p:cNvPr id="540" name="Rettangolo 539"/>
+          <p:cNvSpPr/>
+          <p:nvPr/>
+        </p:nvSpPr>
+        <p:spPr>
+          <a:xfrm>
+            <a:off x="3856366" y="3316776"/>
+            <a:ext cx="844814" cy="385713"/>
+          </a:xfrm>
+          <a:prstGeom prst="rect">
+            <a:avLst/>
+          </a:prstGeom>
+          <a:gradFill flip="none" rotWithShape="1">
+            <a:gsLst>
+              <a:gs pos="0">
+                <a:srgbClr val="CCFFCC"/>
+              </a:gs>
+              <a:gs pos="100000">
+                <a:srgbClr val="FFFFFF"/>
+              </a:gs>
+            </a:gsLst>
+            <a:lin ang="16200000" scaled="0"/>
+            <a:tileRect/>
+          </a:gradFill>
+          <a:ln>
+            <a:solidFill>
+              <a:schemeClr val="tx1"/>
+            </a:solidFill>
+          </a:ln>
+        </p:spPr>
+        <p:style>
+          <a:lnRef idx="1">
+            <a:schemeClr val="accent1"/>
+          </a:lnRef>
+          <a:fillRef idx="3">
+            <a:schemeClr val="accent1"/>
+          </a:fillRef>
+          <a:effectRef idx="2">
+            <a:schemeClr val="accent1"/>
+          </a:effectRef>
+          <a:fontRef idx="minor">
+            <a:schemeClr val="lt1"/>
+          </a:fontRef>
+        </p:style>
+        <p:txBody>
+          <a:bodyPr rtlCol="0" anchor="ctr"/>
+          <a:lstStyle/>
+          <a:p>
+            <a:pPr algn="ctr"/>
+            <a:r>
+              <a:rPr lang="it-IT" sz="800" dirty="0" smtClean="0">
+                <a:solidFill>
+                  <a:srgbClr val="000000"/>
+                </a:solidFill>
+              </a:rPr>
+              <a:t>Squadra Emergenza</a:t>
+            </a:r>
+            <a:endParaRPr lang="it-IT" sz="800" dirty="0">
+              <a:solidFill>
+                <a:srgbClr val="000000"/>
+              </a:solidFill>
+            </a:endParaRPr>
+          </a:p>
+        </p:txBody>
+      </p:sp>
+      <p:sp>
+        <p:nvSpPr>
+          <p:cNvPr id="283" name="Ovale 282"/>
+          <p:cNvSpPr/>
+          <p:nvPr/>
+        </p:nvSpPr>
+        <p:spPr>
+          <a:xfrm>
+            <a:off x="13043682" y="3424274"/>
+            <a:ext cx="142455" cy="125409"/>
+          </a:xfrm>
+          <a:prstGeom prst="ellipse">
             <a:avLst/>
           </a:prstGeom>
           <a:gradFill flip="none" rotWithShape="1">
@@ -13934,6 +14739,131 @@
           <a:lstStyle/>
           <a:p>
             <a:pPr algn="ctr"/>
+            <a:endParaRPr lang="it-IT" sz="800"/>
+          </a:p>
+        </p:txBody>
+      </p:sp>
+      <p:cxnSp>
+        <p:nvCxnSpPr>
+          <p:cNvPr id="284" name="Connettore 1 283"/>
+          <p:cNvCxnSpPr>
+            <a:stCxn id="283" idx="4"/>
+          </p:cNvCxnSpPr>
+          <p:nvPr/>
+        </p:nvCxnSpPr>
+        <p:spPr>
+          <a:xfrm>
+            <a:off x="13114908" y="3549683"/>
+            <a:ext cx="0" cy="306101"/>
+          </a:xfrm>
+          <a:prstGeom prst="line">
+            <a:avLst/>
+          </a:prstGeom>
+          <a:ln w="12700">
+            <a:solidFill>
+              <a:schemeClr val="tx1"/>
+            </a:solidFill>
+          </a:ln>
+        </p:spPr>
+        <p:style>
+          <a:lnRef idx="2">
+            <a:schemeClr val="accent1"/>
+          </a:lnRef>
+          <a:fillRef idx="0">
+            <a:schemeClr val="accent1"/>
+          </a:fillRef>
+          <a:effectRef idx="1">
+            <a:schemeClr val="accent1"/>
+          </a:effectRef>
+          <a:fontRef idx="minor">
+            <a:schemeClr val="tx1"/>
+          </a:fontRef>
+        </p:style>
+      </p:cxnSp>
+      <p:sp>
+        <p:nvSpPr>
+          <p:cNvPr id="285" name="CasellaDiTesto 284"/>
+          <p:cNvSpPr txBox="1"/>
+          <p:nvPr/>
+        </p:nvSpPr>
+        <p:spPr>
+          <a:xfrm>
+            <a:off x="12862274" y="3241976"/>
+            <a:ext cx="505267" cy="215444"/>
+          </a:xfrm>
+          <a:prstGeom prst="rect">
+            <a:avLst/>
+          </a:prstGeom>
+          <a:noFill/>
+        </p:spPr>
+        <p:txBody>
+          <a:bodyPr wrap="none" rtlCol="0">
+            <a:spAutoFit/>
+          </a:bodyPr>
+          <a:lstStyle/>
+          <a:p>
+            <a:r>
+              <a:rPr lang="it-IT" sz="800" dirty="0" smtClean="0"/>
+              <a:t>regione</a:t>
+            </a:r>
+            <a:endParaRPr lang="it-IT" sz="800" dirty="0" smtClean="0"/>
+          </a:p>
+        </p:txBody>
+      </p:sp>
+      <p:sp>
+        <p:nvSpPr>
+          <p:cNvPr id="571" name="Rettangolo 570"/>
+          <p:cNvSpPr/>
+          <p:nvPr/>
+        </p:nvSpPr>
+        <p:spPr>
+          <a:xfrm>
+            <a:off x="12459630" y="3724144"/>
+            <a:ext cx="844814" cy="385713"/>
+          </a:xfrm>
+          <a:prstGeom prst="rect">
+            <a:avLst/>
+          </a:prstGeom>
+          <a:gradFill flip="none" rotWithShape="1">
+            <a:gsLst>
+              <a:gs pos="0">
+                <a:schemeClr val="accent4">
+                  <a:lumMod val="60000"/>
+                  <a:lumOff val="40000"/>
+                </a:schemeClr>
+              </a:gs>
+              <a:gs pos="100000">
+                <a:srgbClr val="FFFFFF"/>
+              </a:gs>
+            </a:gsLst>
+            <a:lin ang="15600000" scaled="0"/>
+            <a:tileRect/>
+          </a:gradFill>
+          <a:ln>
+            <a:solidFill>
+              <a:schemeClr val="tx1"/>
+            </a:solidFill>
+          </a:ln>
+        </p:spPr>
+        <p:style>
+          <a:lnRef idx="1">
+            <a:schemeClr val="accent1"/>
+          </a:lnRef>
+          <a:fillRef idx="3">
+            <a:schemeClr val="accent1"/>
+          </a:fillRef>
+          <a:effectRef idx="2">
+            <a:schemeClr val="accent1"/>
+          </a:effectRef>
+          <a:fontRef idx="minor">
+            <a:schemeClr val="lt1"/>
+          </a:fontRef>
+        </p:style>
+        <p:txBody>
+          <a:bodyPr rtlCol="0" anchor="ctr"/>
+          <a:lstStyle/>
+          <a:p>
+            <a:pPr algn="ctr"/>
             <a:r>
               <a:rPr lang="it-IT" sz="800" dirty="0" smtClean="0">
                 <a:solidFill>
@@ -13941,811 +14871,6 @@
                 </a:solidFill>
               </a:rPr>
               <a:t>Cella Geografica</a:t>
-            </a:r>
-            <a:endParaRPr lang="it-IT" sz="800" dirty="0">
-              <a:solidFill>
-                <a:srgbClr val="000000"/>
-              </a:solidFill>
-            </a:endParaRPr>
-          </a:p>
-        </p:txBody>
-      </p:sp>
-      <p:cxnSp>
-        <p:nvCxnSpPr>
-          <p:cNvPr id="572" name="Connettore 1 791"/>
-          <p:cNvCxnSpPr>
-            <a:stCxn id="571" idx="3"/>
-            <a:endCxn id="412" idx="3"/>
-          </p:cNvCxnSpPr>
-          <p:nvPr/>
-        </p:nvCxnSpPr>
-        <p:spPr>
-          <a:xfrm flipH="1">
-            <a:off x="8591815" y="3917001"/>
-            <a:ext cx="4712629" cy="1885008"/>
-          </a:xfrm>
-          <a:prstGeom prst="bentConnector3">
-            <a:avLst>
-              <a:gd name="adj1" fmla="val -2965"/>
-            </a:avLst>
-          </a:prstGeom>
-          <a:ln w="12700">
-            <a:solidFill>
-              <a:schemeClr val="tx1"/>
-            </a:solidFill>
-          </a:ln>
-        </p:spPr>
-        <p:style>
-          <a:lnRef idx="2">
-            <a:schemeClr val="accent1"/>
-          </a:lnRef>
-          <a:fillRef idx="0">
-            <a:schemeClr val="accent1"/>
-          </a:fillRef>
-          <a:effectRef idx="1">
-            <a:schemeClr val="accent1"/>
-          </a:effectRef>
-          <a:fontRef idx="minor">
-            <a:schemeClr val="tx1"/>
-          </a:fontRef>
-        </p:style>
-      </p:cxnSp>
-      <p:sp>
-        <p:nvSpPr>
-          <p:cNvPr id="575" name="Ovale 574"/>
-          <p:cNvSpPr/>
-          <p:nvPr/>
-        </p:nvSpPr>
-        <p:spPr>
-          <a:xfrm>
-            <a:off x="2941935" y="2923141"/>
-            <a:ext cx="142455" cy="125409"/>
-          </a:xfrm>
-          <a:prstGeom prst="ellipse">
-            <a:avLst/>
-          </a:prstGeom>
-          <a:gradFill flip="none" rotWithShape="1">
-            <a:gsLst>
-              <a:gs pos="0">
-                <a:srgbClr val="CCFFCC"/>
-              </a:gs>
-              <a:gs pos="100000">
-                <a:srgbClr val="FFFFFF"/>
-              </a:gs>
-            </a:gsLst>
-            <a:lin ang="16200000" scaled="0"/>
-            <a:tileRect/>
-          </a:gradFill>
-          <a:ln>
-            <a:solidFill>
-              <a:schemeClr val="tx1"/>
-            </a:solidFill>
-          </a:ln>
-        </p:spPr>
-        <p:style>
-          <a:lnRef idx="1">
-            <a:schemeClr val="accent1"/>
-          </a:lnRef>
-          <a:fillRef idx="3">
-            <a:schemeClr val="accent1"/>
-          </a:fillRef>
-          <a:effectRef idx="2">
-            <a:schemeClr val="accent1"/>
-          </a:effectRef>
-          <a:fontRef idx="minor">
-            <a:schemeClr val="lt1"/>
-          </a:fontRef>
-        </p:style>
-        <p:txBody>
-          <a:bodyPr rtlCol="0" anchor="ctr"/>
-          <a:lstStyle/>
-          <a:p>
-            <a:pPr algn="ctr"/>
-            <a:endParaRPr lang="it-IT" sz="800"/>
-          </a:p>
-        </p:txBody>
-      </p:sp>
-      <p:cxnSp>
-        <p:nvCxnSpPr>
-          <p:cNvPr id="576" name="Connettore 1 575"/>
-          <p:cNvCxnSpPr>
-            <a:stCxn id="575" idx="0"/>
-          </p:cNvCxnSpPr>
-          <p:nvPr/>
-        </p:nvCxnSpPr>
-        <p:spPr>
-          <a:xfrm flipV="1">
-            <a:off x="3013163" y="2569683"/>
-            <a:ext cx="0" cy="353458"/>
-          </a:xfrm>
-          <a:prstGeom prst="line">
-            <a:avLst/>
-          </a:prstGeom>
-          <a:ln w="12700">
-            <a:solidFill>
-              <a:schemeClr val="tx1"/>
-            </a:solidFill>
-          </a:ln>
-        </p:spPr>
-        <p:style>
-          <a:lnRef idx="2">
-            <a:schemeClr val="accent1"/>
-          </a:lnRef>
-          <a:fillRef idx="0">
-            <a:schemeClr val="accent1"/>
-          </a:fillRef>
-          <a:effectRef idx="1">
-            <a:schemeClr val="accent1"/>
-          </a:effectRef>
-          <a:fontRef idx="minor">
-            <a:schemeClr val="tx1"/>
-          </a:fontRef>
-        </p:style>
-      </p:cxnSp>
-      <p:sp>
-        <p:nvSpPr>
-          <p:cNvPr id="577" name="Rettangolo 576"/>
-          <p:cNvSpPr/>
-          <p:nvPr/>
-        </p:nvSpPr>
-        <p:spPr>
-          <a:xfrm>
-            <a:off x="2834128" y="2432033"/>
-            <a:ext cx="844814" cy="385713"/>
-          </a:xfrm>
-          <a:prstGeom prst="rect">
-            <a:avLst/>
-          </a:prstGeom>
-          <a:gradFill flip="none" rotWithShape="1">
-            <a:gsLst>
-              <a:gs pos="0">
-                <a:srgbClr val="CCFFCC"/>
-              </a:gs>
-              <a:gs pos="100000">
-                <a:srgbClr val="FFFFFF"/>
-              </a:gs>
-            </a:gsLst>
-            <a:lin ang="16200000" scaled="0"/>
-            <a:tileRect/>
-          </a:gradFill>
-          <a:ln>
-            <a:solidFill>
-              <a:schemeClr val="tx1"/>
-            </a:solidFill>
-          </a:ln>
-        </p:spPr>
-        <p:style>
-          <a:lnRef idx="1">
-            <a:schemeClr val="accent1"/>
-          </a:lnRef>
-          <a:fillRef idx="3">
-            <a:schemeClr val="accent1"/>
-          </a:fillRef>
-          <a:effectRef idx="2">
-            <a:schemeClr val="accent1"/>
-          </a:effectRef>
-          <a:fontRef idx="minor">
-            <a:schemeClr val="lt1"/>
-          </a:fontRef>
-        </p:style>
-        <p:txBody>
-          <a:bodyPr rtlCol="0" anchor="ctr"/>
-          <a:lstStyle/>
-          <a:p>
-            <a:pPr algn="ctr"/>
-            <a:r>
-              <a:rPr lang="it-IT" sz="800" dirty="0" smtClean="0">
-                <a:solidFill>
-                  <a:srgbClr val="000000"/>
-                </a:solidFill>
-              </a:rPr>
-              <a:t>Persona</a:t>
-            </a:r>
-            <a:endParaRPr lang="it-IT" sz="800" dirty="0">
-              <a:solidFill>
-                <a:srgbClr val="000000"/>
-              </a:solidFill>
-            </a:endParaRPr>
-          </a:p>
-        </p:txBody>
-      </p:sp>
-      <p:cxnSp>
-        <p:nvCxnSpPr>
-          <p:cNvPr id="578" name="Connettore 1 577"/>
-          <p:cNvCxnSpPr>
-            <a:stCxn id="579" idx="0"/>
-          </p:cNvCxnSpPr>
-          <p:nvPr/>
-        </p:nvCxnSpPr>
-        <p:spPr>
-          <a:xfrm flipV="1">
-            <a:off x="7570085" y="855347"/>
-            <a:ext cx="0" cy="341137"/>
-          </a:xfrm>
-          <a:prstGeom prst="line">
-            <a:avLst/>
-          </a:prstGeom>
-          <a:ln w="12700">
-            <a:solidFill>
-              <a:schemeClr val="tx1"/>
-            </a:solidFill>
-          </a:ln>
-        </p:spPr>
-        <p:style>
-          <a:lnRef idx="2">
-            <a:schemeClr val="accent1"/>
-          </a:lnRef>
-          <a:fillRef idx="0">
-            <a:schemeClr val="accent1"/>
-          </a:fillRef>
-          <a:effectRef idx="1">
-            <a:schemeClr val="accent1"/>
-          </a:effectRef>
-          <a:fontRef idx="minor">
-            <a:schemeClr val="tx1"/>
-          </a:fontRef>
-        </p:style>
-      </p:cxnSp>
-      <p:sp>
-        <p:nvSpPr>
-          <p:cNvPr id="579" name="Ovale 578"/>
-          <p:cNvSpPr/>
-          <p:nvPr/>
-        </p:nvSpPr>
-        <p:spPr>
-          <a:xfrm>
-            <a:off x="7498859" y="1196484"/>
-            <a:ext cx="142455" cy="125409"/>
-          </a:xfrm>
-          <a:prstGeom prst="ellipse">
-            <a:avLst/>
-          </a:prstGeom>
-          <a:gradFill flip="none" rotWithShape="1">
-            <a:gsLst>
-              <a:gs pos="0">
-                <a:schemeClr val="tx2">
-                  <a:lumMod val="40000"/>
-                  <a:lumOff val="60000"/>
-                </a:schemeClr>
-              </a:gs>
-              <a:gs pos="100000">
-                <a:schemeClr val="bg1"/>
-              </a:gs>
-            </a:gsLst>
-            <a:lin ang="16200000" scaled="0"/>
-            <a:tileRect/>
-          </a:gradFill>
-          <a:ln>
-            <a:solidFill>
-              <a:schemeClr val="tx1"/>
-            </a:solidFill>
-          </a:ln>
-        </p:spPr>
-        <p:style>
-          <a:lnRef idx="1">
-            <a:schemeClr val="accent1"/>
-          </a:lnRef>
-          <a:fillRef idx="3">
-            <a:schemeClr val="accent1"/>
-          </a:fillRef>
-          <a:effectRef idx="2">
-            <a:schemeClr val="accent1"/>
-          </a:effectRef>
-          <a:fontRef idx="minor">
-            <a:schemeClr val="lt1"/>
-          </a:fontRef>
-        </p:style>
-        <p:txBody>
-          <a:bodyPr rtlCol="0" anchor="ctr"/>
-          <a:lstStyle/>
-          <a:p>
-            <a:pPr algn="ctr"/>
-            <a:endParaRPr lang="it-IT" sz="800"/>
-          </a:p>
-        </p:txBody>
-      </p:sp>
-      <p:sp>
-        <p:nvSpPr>
-          <p:cNvPr id="580" name="CasellaDiTesto 579"/>
-          <p:cNvSpPr txBox="1"/>
-          <p:nvPr/>
-        </p:nvSpPr>
-        <p:spPr>
-          <a:xfrm>
-            <a:off x="7604747" y="1138423"/>
-            <a:ext cx="428322" cy="215444"/>
-          </a:xfrm>
-          <a:prstGeom prst="rect">
-            <a:avLst/>
-          </a:prstGeom>
-          <a:noFill/>
-        </p:spPr>
-        <p:txBody>
-          <a:bodyPr wrap="none" rtlCol="0">
-            <a:spAutoFit/>
-          </a:bodyPr>
-          <a:lstStyle/>
-          <a:p>
-            <a:r>
-              <a:rPr lang="it-IT" sz="800" dirty="0" smtClean="0"/>
-              <a:t>nome</a:t>
-            </a:r>
-          </a:p>
-        </p:txBody>
-      </p:sp>
-      <p:sp>
-        <p:nvSpPr>
-          <p:cNvPr id="581" name="Rettangolo 580"/>
-          <p:cNvSpPr/>
-          <p:nvPr/>
-        </p:nvSpPr>
-        <p:spPr>
-          <a:xfrm>
-            <a:off x="7366439" y="673480"/>
-            <a:ext cx="844814" cy="385713"/>
-          </a:xfrm>
-          <a:prstGeom prst="rect">
-            <a:avLst/>
-          </a:prstGeom>
-          <a:gradFill flip="none" rotWithShape="1">
-            <a:gsLst>
-              <a:gs pos="0">
-                <a:schemeClr val="tx2">
-                  <a:lumMod val="40000"/>
-                  <a:lumOff val="60000"/>
-                </a:schemeClr>
-              </a:gs>
-              <a:gs pos="100000">
-                <a:schemeClr val="bg1"/>
-              </a:gs>
-            </a:gsLst>
-            <a:lin ang="16200000" scaled="0"/>
-            <a:tileRect/>
-          </a:gradFill>
-          <a:ln>
-            <a:solidFill>
-              <a:schemeClr val="tx1"/>
-            </a:solidFill>
-          </a:ln>
-        </p:spPr>
-        <p:style>
-          <a:lnRef idx="1">
-            <a:schemeClr val="accent1"/>
-          </a:lnRef>
-          <a:fillRef idx="3">
-            <a:schemeClr val="accent1"/>
-          </a:fillRef>
-          <a:effectRef idx="2">
-            <a:schemeClr val="accent1"/>
-          </a:effectRef>
-          <a:fontRef idx="minor">
-            <a:schemeClr val="lt1"/>
-          </a:fontRef>
-        </p:style>
-        <p:txBody>
-          <a:bodyPr rtlCol="0" anchor="ctr"/>
-          <a:lstStyle/>
-          <a:p>
-            <a:pPr algn="ctr"/>
-            <a:r>
-              <a:rPr lang="it-IT" sz="800" dirty="0" smtClean="0">
-                <a:solidFill>
-                  <a:srgbClr val="000000"/>
-                </a:solidFill>
-              </a:rPr>
-              <a:t>Fiume</a:t>
-            </a:r>
-            <a:endParaRPr lang="it-IT" sz="800" dirty="0">
-              <a:solidFill>
-                <a:srgbClr val="000000"/>
-              </a:solidFill>
-            </a:endParaRPr>
-          </a:p>
-        </p:txBody>
-      </p:sp>
-      <p:sp>
-        <p:nvSpPr>
-          <p:cNvPr id="291" name="Diamante 290"/>
-          <p:cNvSpPr/>
-          <p:nvPr/>
-        </p:nvSpPr>
-        <p:spPr>
-          <a:xfrm>
-            <a:off x="11199721" y="923680"/>
-            <a:ext cx="757842" cy="367675"/>
-          </a:xfrm>
-          <a:prstGeom prst="diamond">
-            <a:avLst/>
-          </a:prstGeom>
-          <a:gradFill flip="none" rotWithShape="1">
-            <a:gsLst>
-              <a:gs pos="0">
-                <a:schemeClr val="tx2">
-                  <a:lumMod val="40000"/>
-                  <a:lumOff val="60000"/>
-                </a:schemeClr>
-              </a:gs>
-              <a:gs pos="100000">
-                <a:schemeClr val="bg1"/>
-              </a:gs>
-            </a:gsLst>
-            <a:lin ang="16200000" scaled="0"/>
-            <a:tileRect/>
-          </a:gradFill>
-          <a:ln>
-            <a:solidFill>
-              <a:schemeClr val="tx1"/>
-            </a:solidFill>
-          </a:ln>
-        </p:spPr>
-        <p:style>
-          <a:lnRef idx="1">
-            <a:schemeClr val="accent1"/>
-          </a:lnRef>
-          <a:fillRef idx="3">
-            <a:schemeClr val="accent1"/>
-          </a:fillRef>
-          <a:effectRef idx="2">
-            <a:schemeClr val="accent1"/>
-          </a:effectRef>
-          <a:fontRef idx="minor">
-            <a:schemeClr val="lt1"/>
-          </a:fontRef>
-        </p:style>
-        <p:txBody>
-          <a:bodyPr rtlCol="0" anchor="ctr"/>
-          <a:lstStyle/>
-          <a:p>
-            <a:pPr algn="ctr"/>
-            <a:endParaRPr lang="it-IT" sz="800"/>
-          </a:p>
-        </p:txBody>
-      </p:sp>
-      <p:cxnSp>
-        <p:nvCxnSpPr>
-          <p:cNvPr id="3" name="Connettore 1 2"/>
-          <p:cNvCxnSpPr>
-            <a:stCxn id="291" idx="3"/>
-            <a:endCxn id="571" idx="0"/>
-          </p:cNvCxnSpPr>
-          <p:nvPr/>
-        </p:nvCxnSpPr>
-        <p:spPr>
-          <a:xfrm>
-            <a:off x="11957563" y="1107518"/>
-            <a:ext cx="924474" cy="2616626"/>
-          </a:xfrm>
-          <a:prstGeom prst="bentConnector2">
-            <a:avLst/>
-          </a:prstGeom>
-          <a:ln w="12700">
-            <a:solidFill>
-              <a:schemeClr val="tx1"/>
-            </a:solidFill>
-          </a:ln>
-        </p:spPr>
-        <p:style>
-          <a:lnRef idx="2">
-            <a:schemeClr val="accent1"/>
-          </a:lnRef>
-          <a:fillRef idx="0">
-            <a:schemeClr val="accent1"/>
-          </a:fillRef>
-          <a:effectRef idx="1">
-            <a:schemeClr val="accent1"/>
-          </a:effectRef>
-          <a:fontRef idx="minor">
-            <a:schemeClr val="tx1"/>
-          </a:fontRef>
-        </p:style>
-      </p:cxnSp>
-      <p:cxnSp>
-        <p:nvCxnSpPr>
-          <p:cNvPr id="6" name="Connettore 1 5"/>
-          <p:cNvCxnSpPr>
-            <a:endCxn id="291" idx="1"/>
-          </p:cNvCxnSpPr>
-          <p:nvPr/>
-        </p:nvCxnSpPr>
-        <p:spPr>
-          <a:xfrm flipV="1">
-            <a:off x="9567363" y="1107518"/>
-            <a:ext cx="1632358" cy="724933"/>
-          </a:xfrm>
-          <a:prstGeom prst="line">
-            <a:avLst/>
-          </a:prstGeom>
-          <a:ln w="12700">
-            <a:solidFill>
-              <a:schemeClr val="tx1"/>
-            </a:solidFill>
-          </a:ln>
-        </p:spPr>
-        <p:style>
-          <a:lnRef idx="2">
-            <a:schemeClr val="accent1"/>
-          </a:lnRef>
-          <a:fillRef idx="0">
-            <a:schemeClr val="accent1"/>
-          </a:fillRef>
-          <a:effectRef idx="1">
-            <a:schemeClr val="accent1"/>
-          </a:effectRef>
-          <a:fontRef idx="minor">
-            <a:schemeClr val="tx1"/>
-          </a:fontRef>
-        </p:style>
-      </p:cxnSp>
-      <p:sp>
-        <p:nvSpPr>
-          <p:cNvPr id="582" name="CasellaDiTesto 581"/>
-          <p:cNvSpPr txBox="1"/>
-          <p:nvPr/>
-        </p:nvSpPr>
-        <p:spPr>
-          <a:xfrm>
-            <a:off x="11266044" y="1005481"/>
-            <a:ext cx="640340" cy="215444"/>
-          </a:xfrm>
-          <a:prstGeom prst="rect">
-            <a:avLst/>
-          </a:prstGeom>
-          <a:noFill/>
-        </p:spPr>
-        <p:txBody>
-          <a:bodyPr wrap="square" rtlCol="0">
-            <a:spAutoFit/>
-          </a:bodyPr>
-          <a:lstStyle/>
-          <a:p>
-            <a:r>
-              <a:rPr lang="it-IT" sz="800" dirty="0" smtClean="0"/>
-              <a:t>appartiene</a:t>
-            </a:r>
-            <a:endParaRPr lang="it-IT" sz="800" dirty="0"/>
-          </a:p>
-        </p:txBody>
-      </p:sp>
-      <p:sp>
-        <p:nvSpPr>
-          <p:cNvPr id="583" name="CasellaDiTesto 582"/>
-          <p:cNvSpPr txBox="1"/>
-          <p:nvPr/>
-        </p:nvSpPr>
-        <p:spPr>
-          <a:xfrm>
-            <a:off x="10724991" y="968622"/>
-            <a:ext cx="436541" cy="215444"/>
-          </a:xfrm>
-          <a:prstGeom prst="rect">
-            <a:avLst/>
-          </a:prstGeom>
-          <a:noFill/>
-        </p:spPr>
-        <p:txBody>
-          <a:bodyPr wrap="square" rtlCol="0">
-            <a:spAutoFit/>
-          </a:bodyPr>
-          <a:lstStyle/>
-          <a:p>
-            <a:r>
-              <a:rPr lang="it-IT" sz="800" dirty="0" smtClean="0"/>
-              <a:t>(1,n)</a:t>
-            </a:r>
-            <a:endParaRPr lang="it-IT" sz="800" dirty="0"/>
-          </a:p>
-        </p:txBody>
-      </p:sp>
-      <p:sp>
-        <p:nvSpPr>
-          <p:cNvPr id="584" name="CasellaDiTesto 583"/>
-          <p:cNvSpPr txBox="1"/>
-          <p:nvPr/>
-        </p:nvSpPr>
-        <p:spPr>
-          <a:xfrm>
-            <a:off x="12830954" y="3294189"/>
-            <a:ext cx="436541" cy="215444"/>
-          </a:xfrm>
-          <a:prstGeom prst="rect">
-            <a:avLst/>
-          </a:prstGeom>
-          <a:noFill/>
-        </p:spPr>
-        <p:txBody>
-          <a:bodyPr wrap="square" rtlCol="0">
-            <a:spAutoFit/>
-          </a:bodyPr>
-          <a:lstStyle/>
-          <a:p>
-            <a:r>
-              <a:rPr lang="it-IT" sz="800" dirty="0" smtClean="0"/>
-              <a:t>(0,n)</a:t>
-            </a:r>
-            <a:endParaRPr lang="it-IT" sz="800" dirty="0"/>
-          </a:p>
-        </p:txBody>
-      </p:sp>
-      <p:sp>
-        <p:nvSpPr>
-          <p:cNvPr id="573" name="Ovale 572"/>
-          <p:cNvSpPr/>
-          <p:nvPr/>
-        </p:nvSpPr>
-        <p:spPr>
-          <a:xfrm>
-            <a:off x="4433493" y="3851852"/>
-            <a:ext cx="142455" cy="125409"/>
-          </a:xfrm>
-          <a:prstGeom prst="ellipse">
-            <a:avLst/>
-          </a:prstGeom>
-          <a:gradFill flip="none" rotWithShape="1">
-            <a:gsLst>
-              <a:gs pos="0">
-                <a:srgbClr val="CCFFCC"/>
-              </a:gs>
-              <a:gs pos="100000">
-                <a:srgbClr val="FFFFFF"/>
-              </a:gs>
-            </a:gsLst>
-            <a:lin ang="16200000" scaled="0"/>
-            <a:tileRect/>
-          </a:gradFill>
-          <a:ln>
-            <a:solidFill>
-              <a:schemeClr val="tx1"/>
-            </a:solidFill>
-          </a:ln>
-        </p:spPr>
-        <p:style>
-          <a:lnRef idx="1">
-            <a:schemeClr val="accent1"/>
-          </a:lnRef>
-          <a:fillRef idx="3">
-            <a:schemeClr val="accent1"/>
-          </a:fillRef>
-          <a:effectRef idx="2">
-            <a:schemeClr val="accent1"/>
-          </a:effectRef>
-          <a:fontRef idx="minor">
-            <a:schemeClr val="lt1"/>
-          </a:fontRef>
-        </p:style>
-        <p:txBody>
-          <a:bodyPr rtlCol="0" anchor="ctr"/>
-          <a:lstStyle/>
-          <a:p>
-            <a:pPr algn="ctr"/>
-            <a:endParaRPr lang="it-IT" sz="800"/>
-          </a:p>
-        </p:txBody>
-      </p:sp>
-      <p:cxnSp>
-        <p:nvCxnSpPr>
-          <p:cNvPr id="574" name="Connettore 1 573"/>
-          <p:cNvCxnSpPr>
-            <a:stCxn id="573" idx="0"/>
-          </p:cNvCxnSpPr>
-          <p:nvPr/>
-        </p:nvCxnSpPr>
-        <p:spPr>
-          <a:xfrm flipV="1">
-            <a:off x="4504721" y="3498394"/>
-            <a:ext cx="0" cy="353458"/>
-          </a:xfrm>
-          <a:prstGeom prst="line">
-            <a:avLst/>
-          </a:prstGeom>
-          <a:ln w="12700">
-            <a:solidFill>
-              <a:schemeClr val="tx1"/>
-            </a:solidFill>
-          </a:ln>
-        </p:spPr>
-        <p:style>
-          <a:lnRef idx="2">
-            <a:schemeClr val="accent1"/>
-          </a:lnRef>
-          <a:fillRef idx="0">
-            <a:schemeClr val="accent1"/>
-          </a:fillRef>
-          <a:effectRef idx="1">
-            <a:schemeClr val="accent1"/>
-          </a:effectRef>
-          <a:fontRef idx="minor">
-            <a:schemeClr val="tx1"/>
-          </a:fontRef>
-        </p:style>
-      </p:cxnSp>
-      <p:sp>
-        <p:nvSpPr>
-          <p:cNvPr id="586" name="CasellaDiTesto 585"/>
-          <p:cNvSpPr txBox="1"/>
-          <p:nvPr/>
-        </p:nvSpPr>
-        <p:spPr>
-          <a:xfrm>
-            <a:off x="4288692" y="3929180"/>
-            <a:ext cx="595035" cy="215444"/>
-          </a:xfrm>
-          <a:prstGeom prst="rect">
-            <a:avLst/>
-          </a:prstGeom>
-          <a:noFill/>
-        </p:spPr>
-        <p:txBody>
-          <a:bodyPr wrap="none" rtlCol="0">
-            <a:spAutoFit/>
-          </a:bodyPr>
-          <a:lstStyle/>
-          <a:p>
-            <a:r>
-              <a:rPr lang="it-IT" sz="800" dirty="0" err="1" smtClean="0"/>
-              <a:t>coordGPS</a:t>
-            </a:r>
-            <a:endParaRPr lang="it-IT" sz="800" dirty="0" smtClean="0"/>
-          </a:p>
-        </p:txBody>
-      </p:sp>
-      <p:sp>
-        <p:nvSpPr>
-          <p:cNvPr id="540" name="Rettangolo 539"/>
-          <p:cNvSpPr/>
-          <p:nvPr/>
-        </p:nvSpPr>
-        <p:spPr>
-          <a:xfrm>
-            <a:off x="3856366" y="3316776"/>
-            <a:ext cx="844814" cy="385713"/>
-          </a:xfrm>
-          <a:prstGeom prst="rect">
-            <a:avLst/>
-          </a:prstGeom>
-          <a:gradFill flip="none" rotWithShape="1">
-            <a:gsLst>
-              <a:gs pos="0">
-                <a:srgbClr val="CCFFCC"/>
-              </a:gs>
-              <a:gs pos="100000">
-                <a:srgbClr val="FFFFFF"/>
-              </a:gs>
-            </a:gsLst>
-            <a:lin ang="16200000" scaled="0"/>
-            <a:tileRect/>
-          </a:gradFill>
-          <a:ln>
-            <a:solidFill>
-              <a:schemeClr val="tx1"/>
-            </a:solidFill>
-          </a:ln>
-        </p:spPr>
-        <p:style>
-          <a:lnRef idx="1">
-            <a:schemeClr val="accent1"/>
-          </a:lnRef>
-          <a:fillRef idx="3">
-            <a:schemeClr val="accent1"/>
-          </a:fillRef>
-          <a:effectRef idx="2">
-            <a:schemeClr val="accent1"/>
-          </a:effectRef>
-          <a:fontRef idx="minor">
-            <a:schemeClr val="lt1"/>
-          </a:fontRef>
-        </p:style>
-        <p:txBody>
-          <a:bodyPr rtlCol="0" anchor="ctr"/>
-          <a:lstStyle/>
-          <a:p>
-            <a:pPr algn="ctr"/>
-            <a:r>
-              <a:rPr lang="it-IT" sz="800" dirty="0" smtClean="0">
-                <a:solidFill>
-                  <a:srgbClr val="000000"/>
-                </a:solidFill>
-              </a:rPr>
-              <a:t>Squadra Emergenza</a:t>
             </a:r>
             <a:endParaRPr lang="it-IT" sz="800" dirty="0">
               <a:solidFill>
